--- a/doc/presentation.pptx
+++ b/doc/presentation.pptx
@@ -4090,16 +4090,12 @@
               <a:buAutoNum type="arabicPeriod"/>
             </a:pPr>
             <a:r>
+              <a:rPr lang="de-CH" dirty="0" err="1" smtClean="0"/>
+              <a:t>Usage</a:t>
+            </a:r>
+            <a:r>
               <a:rPr lang="de-CH" dirty="0" smtClean="0"/>
-              <a:t>Vorschläge für einzusetzende Mitarbeiter</a:t>
-            </a:r>
-            <a:r>
-              <a:rPr lang="de-CH" dirty="0"/>
-              <a:t> </a:t>
-            </a:r>
-            <a:r>
-              <a:rPr lang="de-CH" dirty="0" smtClean="0"/>
-              <a:t>(Patientenplanung)</a:t>
+              <a:t> einer JNI-Library</a:t>
             </a:r>
           </a:p>
           <a:p>
@@ -4109,17 +4105,7 @@
             </a:pPr>
             <a:r>
               <a:rPr lang="de-CH" dirty="0" smtClean="0"/>
-              <a:t>Vorschläge für zu besuchende Einsätze (Mitarbeiterplanung)</a:t>
-            </a:r>
-          </a:p>
-          <a:p>
-            <a:pPr marL="457200" indent="-457200">
-              <a:buFont typeface="+mj-lt"/>
-              <a:buAutoNum type="arabicPeriod"/>
-            </a:pPr>
-            <a:r>
-              <a:rPr lang="de-CH" dirty="0" smtClean="0"/>
-              <a:t>Patterns</a:t>
+              <a:t>Serverseitige Validierung der Objekte</a:t>
             </a:r>
           </a:p>
           <a:p>
@@ -4127,34 +4113,40 @@
               <a:buFont typeface="+mj-lt"/>
               <a:buAutoNum type="arabicPeriod"/>
             </a:pPr>
-            <a:r>
-              <a:rPr lang="de-CH" dirty="0" err="1" smtClean="0"/>
-              <a:t>Layering</a:t>
-            </a:r>
             <a:endParaRPr lang="de-CH" dirty="0" smtClean="0"/>
           </a:p>
-          <a:p>
-            <a:pPr marL="914400" lvl="1" indent="-457200">
-              <a:buFont typeface="+mj-lt"/>
-              <a:buAutoNum type="arabicPeriod"/>
-            </a:pPr>
-            <a:r>
-              <a:rPr lang="de-CH" dirty="0" smtClean="0"/>
-              <a:t>MVP</a:t>
-            </a:r>
-          </a:p>
-          <a:p>
-            <a:pPr marL="914400" lvl="1" indent="-457200">
-              <a:buFont typeface="+mj-lt"/>
-              <a:buAutoNum type="arabicPeriod"/>
-            </a:pPr>
-            <a:r>
-              <a:rPr lang="de-CH" dirty="0" smtClean="0"/>
-              <a:t>Repository</a:t>
-            </a:r>
-          </a:p>
-        </p:txBody>
-      </p:sp>
+        </p:txBody>
+      </p:sp>
+      <p:pic>
+        <p:nvPicPr>
+          <p:cNvPr id="3" name="Grafik 2"/>
+          <p:cNvPicPr>
+            <a:picLocks noChangeAspect="1"/>
+          </p:cNvPicPr>
+          <p:nvPr/>
+        </p:nvPicPr>
+        <p:blipFill>
+          <a:blip r:embed="rId2">
+            <a:extLst>
+              <a:ext uri="{28A0092B-C50C-407E-A947-70E740481C1C}">
+                <a14:useLocalDpi xmlns:a14="http://schemas.microsoft.com/office/drawing/2010/main" val="0"/>
+              </a:ext>
+            </a:extLst>
+          </a:blip>
+          <a:stretch>
+            <a:fillRect/>
+          </a:stretch>
+        </p:blipFill>
+        <p:spPr>
+          <a:xfrm>
+            <a:off x="899592" y="2802265"/>
+            <a:ext cx="6120680" cy="3737954"/>
+          </a:xfrm>
+          <a:prstGeom prst="rect">
+            <a:avLst/>
+          </a:prstGeom>
+        </p:spPr>
+      </p:pic>
     </p:spTree>
     <p:extLst>
       <p:ext uri="{BB962C8B-B14F-4D97-AF65-F5344CB8AC3E}">
@@ -4242,8 +4234,12 @@
               <a:buChar char="•"/>
             </a:pPr>
             <a:r>
+              <a:rPr lang="de-CH" dirty="0"/>
+              <a:t>i</a:t>
+            </a:r>
+            <a:r>
               <a:rPr lang="de-CH" dirty="0" smtClean="0"/>
-              <a:t>Index.html (Path-</a:t>
+              <a:t>ndex.html (Path-</a:t>
             </a:r>
             <a:r>
               <a:rPr lang="de-CH" dirty="0" err="1" smtClean="0"/>
@@ -4375,25 +4371,10 @@
           <a:p>
             <a:pPr marL="800100" lvl="1" indent="-342900"/>
             <a:r>
-              <a:rPr lang="de-DE" dirty="0" smtClean="0"/>
-              <a:t>Trotz Einschränkung durch </a:t>
-            </a:r>
-            <a:r>
-              <a:rPr lang="de-DE" dirty="0" err="1" smtClean="0"/>
-              <a:t>Vaadin</a:t>
-            </a:r>
-            <a:r>
-              <a:rPr lang="de-DE" dirty="0" smtClean="0"/>
-              <a:t> gute Architektur aufgebaut</a:t>
-            </a:r>
-          </a:p>
-          <a:p>
-            <a:pPr marL="800100" lvl="1" indent="-342900"/>
-            <a:r>
-              <a:rPr lang="de-DE" dirty="0" smtClean="0"/>
-              <a:t>Einblicke in bisher unbekannte Technologie</a:t>
-            </a:r>
-            <a:endParaRPr lang="de-CH" dirty="0" smtClean="0"/>
+              <a:rPr lang="de-DE" smtClean="0"/>
+              <a:t>Repetition einiger Web-Technologien</a:t>
+            </a:r>
+            <a:endParaRPr lang="de-DE" dirty="0" smtClean="0"/>
           </a:p>
           <a:p>
             <a:pPr marL="342900" indent="-342900">
@@ -4402,19 +4383,9 @@
             </a:pPr>
             <a:r>
               <a:rPr lang="de-CH" dirty="0" smtClean="0"/>
-              <a:t>Bisher grösstes Team bei einem Schulprojekt.</a:t>
-            </a:r>
-          </a:p>
-          <a:p>
-            <a:pPr marL="800100" lvl="1" indent="-342900"/>
-            <a:r>
-              <a:rPr lang="de-CH" dirty="0" smtClean="0"/>
-              <a:t>Grosser Overhead bei Kommunikation</a:t>
-            </a:r>
-          </a:p>
-          <a:p>
-            <a:pPr marL="800100" lvl="1" indent="-342900"/>
-            <a:endParaRPr lang="de-CH" dirty="0"/>
+              <a:t>PHP nur für APIs</a:t>
+            </a:r>
+            <a:endParaRPr lang="de-CH" dirty="0" smtClean="0"/>
           </a:p>
         </p:txBody>
       </p:sp>

--- a/doc/presentation.pptx
+++ b/doc/presentation.pptx
@@ -6,13 +6,15 @@
   </p:sldMasterIdLst>
   <p:sldIdLst>
     <p:sldId id="256" r:id="rId2"/>
-    <p:sldId id="257" r:id="rId3"/>
-    <p:sldId id="264" r:id="rId4"/>
-    <p:sldId id="258" r:id="rId5"/>
-    <p:sldId id="260" r:id="rId6"/>
-    <p:sldId id="259" r:id="rId7"/>
-    <p:sldId id="265" r:id="rId8"/>
-    <p:sldId id="266" r:id="rId9"/>
+    <p:sldId id="267" r:id="rId3"/>
+    <p:sldId id="257" r:id="rId4"/>
+    <p:sldId id="264" r:id="rId5"/>
+    <p:sldId id="258" r:id="rId6"/>
+    <p:sldId id="260" r:id="rId7"/>
+    <p:sldId id="259" r:id="rId8"/>
+    <p:sldId id="265" r:id="rId9"/>
+    <p:sldId id="268" r:id="rId10"/>
+    <p:sldId id="266" r:id="rId11"/>
   </p:sldIdLst>
   <p:sldSz cx="9144000" cy="6858000" type="screen4x3"/>
   <p:notesSz cx="6858000" cy="9144000"/>
@@ -323,7 +325,7 @@
           <a:p>
             <a:fld id="{CFE83B37-3004-4276-B635-69AEE58EF409}" type="datetimeFigureOut">
               <a:rPr lang="de-CH" smtClean="0"/>
-              <a:t>02.01.2020</a:t>
+              <a:t>03.01.2020</a:t>
             </a:fld>
             <a:endParaRPr lang="de-CH"/>
           </a:p>
@@ -590,7 +592,7 @@
           <a:p>
             <a:fld id="{CFE83B37-3004-4276-B635-69AEE58EF409}" type="datetimeFigureOut">
               <a:rPr lang="de-CH" smtClean="0"/>
-              <a:t>02.01.2020</a:t>
+              <a:t>03.01.2020</a:t>
             </a:fld>
             <a:endParaRPr lang="de-CH"/>
           </a:p>
@@ -765,7 +767,7 @@
           <a:p>
             <a:fld id="{CFE83B37-3004-4276-B635-69AEE58EF409}" type="datetimeFigureOut">
               <a:rPr lang="de-CH" smtClean="0"/>
-              <a:t>02.01.2020</a:t>
+              <a:t>03.01.2020</a:t>
             </a:fld>
             <a:endParaRPr lang="de-CH"/>
           </a:p>
@@ -930,7 +932,7 @@
           <a:p>
             <a:fld id="{CFE83B37-3004-4276-B635-69AEE58EF409}" type="datetimeFigureOut">
               <a:rPr lang="de-CH" smtClean="0"/>
-              <a:t>02.01.2020</a:t>
+              <a:t>03.01.2020</a:t>
             </a:fld>
             <a:endParaRPr lang="de-CH"/>
           </a:p>
@@ -1179,7 +1181,7 @@
           <a:p>
             <a:fld id="{CFE83B37-3004-4276-B635-69AEE58EF409}" type="datetimeFigureOut">
               <a:rPr lang="de-CH" smtClean="0"/>
-              <a:t>02.01.2020</a:t>
+              <a:t>03.01.2020</a:t>
             </a:fld>
             <a:endParaRPr lang="de-CH"/>
           </a:p>
@@ -1462,7 +1464,7 @@
           <a:p>
             <a:fld id="{CFE83B37-3004-4276-B635-69AEE58EF409}" type="datetimeFigureOut">
               <a:rPr lang="de-CH" smtClean="0"/>
-              <a:t>02.01.2020</a:t>
+              <a:t>03.01.2020</a:t>
             </a:fld>
             <a:endParaRPr lang="de-CH"/>
           </a:p>
@@ -1901,7 +1903,7 @@
           <a:p>
             <a:fld id="{CFE83B37-3004-4276-B635-69AEE58EF409}" type="datetimeFigureOut">
               <a:rPr lang="de-CH" smtClean="0"/>
-              <a:t>02.01.2020</a:t>
+              <a:t>03.01.2020</a:t>
             </a:fld>
             <a:endParaRPr lang="de-CH"/>
           </a:p>
@@ -2014,7 +2016,7 @@
           <a:p>
             <a:fld id="{CFE83B37-3004-4276-B635-69AEE58EF409}" type="datetimeFigureOut">
               <a:rPr lang="de-CH" smtClean="0"/>
-              <a:t>02.01.2020</a:t>
+              <a:t>03.01.2020</a:t>
             </a:fld>
             <a:endParaRPr lang="de-CH"/>
           </a:p>
@@ -2104,7 +2106,7 @@
           <a:p>
             <a:fld id="{CFE83B37-3004-4276-B635-69AEE58EF409}" type="datetimeFigureOut">
               <a:rPr lang="de-CH" smtClean="0"/>
-              <a:t>02.01.2020</a:t>
+              <a:t>03.01.2020</a:t>
             </a:fld>
             <a:endParaRPr lang="de-CH"/>
           </a:p>
@@ -2346,7 +2348,7 @@
           <a:p>
             <a:fld id="{CFE83B37-3004-4276-B635-69AEE58EF409}" type="datetimeFigureOut">
               <a:rPr lang="de-CH" smtClean="0"/>
-              <a:t>02.01.2020</a:t>
+              <a:t>03.01.2020</a:t>
             </a:fld>
             <a:endParaRPr lang="de-CH"/>
           </a:p>
@@ -2640,7 +2642,7 @@
           <a:p>
             <a:fld id="{CFE83B37-3004-4276-B635-69AEE58EF409}" type="datetimeFigureOut">
               <a:rPr lang="de-CH" smtClean="0"/>
-              <a:t>02.01.2020</a:t>
+              <a:t>03.01.2020</a:t>
             </a:fld>
             <a:endParaRPr lang="de-CH"/>
           </a:p>
@@ -2934,7 +2936,7 @@
           <a:p>
             <a:fld id="{CFE83B37-3004-4276-B635-69AEE58EF409}" type="datetimeFigureOut">
               <a:rPr lang="de-CH" smtClean="0"/>
-              <a:t>02.01.2020</a:t>
+              <a:t>03.01.2020</a:t>
             </a:fld>
             <a:endParaRPr lang="de-CH"/>
           </a:p>
@@ -3595,7 +3597,206 @@
 </p:sld>
 </file>
 
+<file path=ppt/slides/slide10.xml><?xml version="1.0" encoding="utf-8"?>
+<p:sld xmlns:a="http://schemas.openxmlformats.org/drawingml/2006/main" xmlns:r="http://schemas.openxmlformats.org/officeDocument/2006/relationships" xmlns:p="http://schemas.openxmlformats.org/presentationml/2006/main">
+  <p:cSld>
+    <p:spTree>
+      <p:nvGrpSpPr>
+        <p:cNvPr id="1" name=""/>
+        <p:cNvGrpSpPr/>
+        <p:nvPr/>
+      </p:nvGrpSpPr>
+      <p:grpSpPr>
+        <a:xfrm>
+          <a:off x="0" y="0"/>
+          <a:ext cx="0" cy="0"/>
+          <a:chOff x="0" y="0"/>
+          <a:chExt cx="0" cy="0"/>
+        </a:xfrm>
+      </p:grpSpPr>
+      <p:sp>
+        <p:nvSpPr>
+          <p:cNvPr id="2" name="Titel 1"/>
+          <p:cNvSpPr>
+            <a:spLocks noGrp="1"/>
+          </p:cNvSpPr>
+          <p:nvPr>
+            <p:ph type="title"/>
+          </p:nvPr>
+        </p:nvSpPr>
+        <p:spPr>
+          <a:xfrm>
+            <a:off x="467544" y="797178"/>
+            <a:ext cx="8676456" cy="615598"/>
+          </a:xfrm>
+        </p:spPr>
+        <p:txBody>
+          <a:bodyPr>
+            <a:normAutofit fontScale="90000"/>
+          </a:bodyPr>
+          <a:lstStyle/>
+          <a:p>
+            <a:r>
+              <a:rPr lang="de-CH" dirty="0" smtClean="0"/>
+              <a:t>fragen</a:t>
+            </a:r>
+            <a:endParaRPr lang="de-CH" dirty="0"/>
+          </a:p>
+        </p:txBody>
+      </p:sp>
+      <p:sp>
+        <p:nvSpPr>
+          <p:cNvPr id="4" name="Inhaltsplatzhalter 3"/>
+          <p:cNvSpPr>
+            <a:spLocks noGrp="1"/>
+          </p:cNvSpPr>
+          <p:nvPr>
+            <p:ph idx="1"/>
+          </p:nvPr>
+        </p:nvSpPr>
+        <p:spPr>
+          <a:xfrm>
+            <a:off x="467544" y="1412776"/>
+            <a:ext cx="7620000" cy="4373563"/>
+          </a:xfrm>
+        </p:spPr>
+        <p:txBody>
+          <a:bodyPr anchor="ctr">
+            <a:noAutofit/>
+          </a:bodyPr>
+          <a:lstStyle/>
+          <a:p>
+            <a:pPr algn="ctr"/>
+            <a:r>
+              <a:rPr lang="de-CH" sz="34400" b="0" dirty="0" smtClean="0">
+                <a:latin typeface="Comic Sans MS" panose="030F0702030302020204" pitchFamily="66" charset="0"/>
+              </a:rPr>
+              <a:t>?</a:t>
+            </a:r>
+            <a:endParaRPr lang="de-CH" sz="34400" b="0" dirty="0">
+              <a:latin typeface="Comic Sans MS" panose="030F0702030302020204" pitchFamily="66" charset="0"/>
+            </a:endParaRPr>
+          </a:p>
+        </p:txBody>
+      </p:sp>
+    </p:spTree>
+    <p:extLst>
+      <p:ext uri="{BB962C8B-B14F-4D97-AF65-F5344CB8AC3E}">
+        <p14:creationId xmlns:p14="http://schemas.microsoft.com/office/powerpoint/2010/main" val="3458935811"/>
+      </p:ext>
+    </p:extLst>
+  </p:cSld>
+  <p:clrMapOvr>
+    <a:masterClrMapping/>
+  </p:clrMapOvr>
+  <p:timing>
+    <p:tnLst>
+      <p:par>
+        <p:cTn id="1" dur="indefinite" restart="never" nodeType="tmRoot"/>
+      </p:par>
+    </p:tnLst>
+  </p:timing>
+</p:sld>
+</file>
+
 <file path=ppt/slides/slide2.xml><?xml version="1.0" encoding="utf-8"?>
+<p:sld xmlns:a="http://schemas.openxmlformats.org/drawingml/2006/main" xmlns:r="http://schemas.openxmlformats.org/officeDocument/2006/relationships" xmlns:p="http://schemas.openxmlformats.org/presentationml/2006/main">
+  <p:cSld>
+    <p:spTree>
+      <p:nvGrpSpPr>
+        <p:cNvPr id="1" name=""/>
+        <p:cNvGrpSpPr/>
+        <p:nvPr/>
+      </p:nvGrpSpPr>
+      <p:grpSpPr>
+        <a:xfrm>
+          <a:off x="0" y="0"/>
+          <a:ext cx="0" cy="0"/>
+          <a:chOff x="0" y="0"/>
+          <a:chExt cx="0" cy="0"/>
+        </a:xfrm>
+      </p:grpSpPr>
+      <p:sp>
+        <p:nvSpPr>
+          <p:cNvPr id="2" name="Titel 1"/>
+          <p:cNvSpPr>
+            <a:spLocks noGrp="1"/>
+          </p:cNvSpPr>
+          <p:nvPr>
+            <p:ph type="title"/>
+          </p:nvPr>
+        </p:nvSpPr>
+        <p:spPr/>
+        <p:txBody>
+          <a:bodyPr/>
+          <a:lstStyle/>
+          <a:p>
+            <a:r>
+              <a:rPr lang="de-CH" dirty="0" smtClean="0"/>
+              <a:t>Was ist </a:t>
+            </a:r>
+            <a:r>
+              <a:rPr lang="de-CH" dirty="0" err="1" smtClean="0"/>
+              <a:t>cti</a:t>
+            </a:r>
+            <a:r>
+              <a:rPr lang="de-CH" dirty="0" smtClean="0"/>
+              <a:t>?</a:t>
+            </a:r>
+            <a:endParaRPr lang="de-CH" dirty="0"/>
+          </a:p>
+        </p:txBody>
+      </p:sp>
+      <p:pic>
+        <p:nvPicPr>
+          <p:cNvPr id="6" name="Inhaltsplatzhalter 5"/>
+          <p:cNvPicPr>
+            <a:picLocks noGrp="1" noChangeAspect="1"/>
+          </p:cNvPicPr>
+          <p:nvPr>
+            <p:ph idx="1"/>
+          </p:nvPr>
+        </p:nvPicPr>
+        <p:blipFill>
+          <a:blip r:embed="rId2">
+            <a:extLst>
+              <a:ext uri="{28A0092B-C50C-407E-A947-70E740481C1C}">
+                <a14:useLocalDpi xmlns:a14="http://schemas.microsoft.com/office/drawing/2010/main" val="0"/>
+              </a:ext>
+            </a:extLst>
+          </a:blip>
+          <a:stretch>
+            <a:fillRect/>
+          </a:stretch>
+        </p:blipFill>
+        <p:spPr>
+          <a:xfrm>
+            <a:off x="1926832" y="1752600"/>
+            <a:ext cx="4680736" cy="4373563"/>
+          </a:xfrm>
+        </p:spPr>
+      </p:pic>
+    </p:spTree>
+    <p:extLst>
+      <p:ext uri="{BB962C8B-B14F-4D97-AF65-F5344CB8AC3E}">
+        <p14:creationId xmlns:p14="http://schemas.microsoft.com/office/powerpoint/2010/main" val="1380670697"/>
+      </p:ext>
+    </p:extLst>
+  </p:cSld>
+  <p:clrMapOvr>
+    <a:masterClrMapping/>
+  </p:clrMapOvr>
+  <p:timing>
+    <p:tnLst>
+      <p:par>
+        <p:cTn id="1" dur="indefinite" restart="never" nodeType="tmRoot"/>
+      </p:par>
+    </p:tnLst>
+  </p:timing>
+</p:sld>
+</file>
+
+<file path=ppt/slides/slide3.xml><?xml version="1.0" encoding="utf-8"?>
 <p:sld xmlns:a="http://schemas.openxmlformats.org/drawingml/2006/main" xmlns:r="http://schemas.openxmlformats.org/officeDocument/2006/relationships" xmlns:p="http://schemas.openxmlformats.org/presentationml/2006/main">
   <p:cSld>
     <p:spTree>
@@ -3691,7 +3892,7 @@
 </p:sld>
 </file>
 
-<file path=ppt/slides/slide3.xml><?xml version="1.0" encoding="utf-8"?>
+<file path=ppt/slides/slide4.xml><?xml version="1.0" encoding="utf-8"?>
 <p:sld xmlns:a="http://schemas.openxmlformats.org/drawingml/2006/main" xmlns:r="http://schemas.openxmlformats.org/officeDocument/2006/relationships" xmlns:p="http://schemas.openxmlformats.org/presentationml/2006/main">
   <p:cSld>
     <p:spTree>
@@ -3763,21 +3964,12 @@
             </a:r>
             <a:r>
               <a:rPr lang="de-CH" dirty="0" smtClean="0"/>
-              <a:t>), PHP, </a:t>
-            </a:r>
-            <a:r>
-              <a:rPr lang="de-CH" dirty="0" err="1" smtClean="0"/>
-              <a:t>Javascript</a:t>
+              <a:t>), </a:t>
             </a:r>
             <a:r>
               <a:rPr lang="de-CH" dirty="0" smtClean="0"/>
-              <a:t> (Browser</a:t>
-            </a:r>
-            <a:r>
-              <a:rPr lang="de-CH" dirty="0" smtClean="0"/>
-              <a:t>)</a:t>
-            </a:r>
-            <a:endParaRPr lang="de-CH" dirty="0" smtClean="0"/>
+              <a:t>PHP</a:t>
+            </a:r>
           </a:p>
           <a:p>
             <a:pPr marL="914400" lvl="1" indent="-457200"/>
@@ -3800,7 +3992,6 @@
               <a:rPr lang="de-CH" b="0" dirty="0" smtClean="0"/>
               <a:t>DOM-Manipulation</a:t>
             </a:r>
-            <a:endParaRPr lang="de-CH" b="0" dirty="0" smtClean="0"/>
           </a:p>
         </p:txBody>
       </p:sp>
@@ -3854,7 +4045,7 @@
 </p:sld>
 </file>
 
-<file path=ppt/slides/slide4.xml><?xml version="1.0" encoding="utf-8"?>
+<file path=ppt/slides/slide5.xml><?xml version="1.0" encoding="utf-8"?>
 <p:sld xmlns:a="http://schemas.openxmlformats.org/drawingml/2006/main" xmlns:r="http://schemas.openxmlformats.org/officeDocument/2006/relationships" xmlns:p="http://schemas.openxmlformats.org/presentationml/2006/main">
   <p:cSld>
     <p:spTree>
@@ -4015,7 +4206,7 @@
 </p:sld>
 </file>
 
-<file path=ppt/slides/slide5.xml><?xml version="1.0" encoding="utf-8"?>
+<file path=ppt/slides/slide6.xml><?xml version="1.0" encoding="utf-8"?>
 <p:sld xmlns:a="http://schemas.openxmlformats.org/drawingml/2006/main" xmlns:r="http://schemas.openxmlformats.org/officeDocument/2006/relationships" xmlns:p="http://schemas.openxmlformats.org/presentationml/2006/main">
   <p:cSld>
     <p:spTree>
@@ -4105,8 +4296,31 @@
             </a:pPr>
             <a:r>
               <a:rPr lang="de-CH" dirty="0" smtClean="0"/>
-              <a:t>Serverseitige Validierung der Objekte</a:t>
-            </a:r>
+              <a:t>Serverseitige Validierung der </a:t>
+            </a:r>
+            <a:r>
+              <a:rPr lang="de-CH" dirty="0" smtClean="0"/>
+              <a:t>Objekte</a:t>
+            </a:r>
+          </a:p>
+          <a:p>
+            <a:pPr marL="457200" indent="-457200">
+              <a:buFont typeface="+mj-lt"/>
+              <a:buAutoNum type="arabicPeriod"/>
+            </a:pPr>
+            <a:r>
+              <a:rPr lang="de-CH" dirty="0" smtClean="0"/>
+              <a:t>Grafischer </a:t>
+            </a:r>
+            <a:r>
+              <a:rPr lang="de-CH" dirty="0" err="1" smtClean="0"/>
+              <a:t>Javascript</a:t>
+            </a:r>
+            <a:r>
+              <a:rPr lang="de-CH" dirty="0" smtClean="0"/>
+              <a:t>-Editor</a:t>
+            </a:r>
+            <a:endParaRPr lang="de-CH" dirty="0" smtClean="0"/>
           </a:p>
           <a:p>
             <a:pPr marL="914400" lvl="1" indent="-457200">
@@ -4139,8 +4353,8 @@
         </p:blipFill>
         <p:spPr>
           <a:xfrm>
-            <a:off x="899592" y="2802265"/>
-            <a:ext cx="6120680" cy="3737954"/>
+            <a:off x="3923928" y="3179776"/>
+            <a:ext cx="4824536" cy="2946387"/>
           </a:xfrm>
           <a:prstGeom prst="rect">
             <a:avLst/>
@@ -4151,128 +4365,6 @@
     <p:extLst>
       <p:ext uri="{BB962C8B-B14F-4D97-AF65-F5344CB8AC3E}">
         <p14:creationId xmlns:p14="http://schemas.microsoft.com/office/powerpoint/2010/main" val="3145785415"/>
-      </p:ext>
-    </p:extLst>
-  </p:cSld>
-  <p:clrMapOvr>
-    <a:masterClrMapping/>
-  </p:clrMapOvr>
-  <p:timing>
-    <p:tnLst>
-      <p:par>
-        <p:cTn id="1" dur="indefinite" restart="never" nodeType="tmRoot"/>
-      </p:par>
-    </p:tnLst>
-  </p:timing>
-</p:sld>
-</file>
-
-<file path=ppt/slides/slide6.xml><?xml version="1.0" encoding="utf-8"?>
-<p:sld xmlns:a="http://schemas.openxmlformats.org/drawingml/2006/main" xmlns:r="http://schemas.openxmlformats.org/officeDocument/2006/relationships" xmlns:p="http://schemas.openxmlformats.org/presentationml/2006/main">
-  <p:cSld>
-    <p:spTree>
-      <p:nvGrpSpPr>
-        <p:cNvPr id="1" name=""/>
-        <p:cNvGrpSpPr/>
-        <p:nvPr/>
-      </p:nvGrpSpPr>
-      <p:grpSpPr>
-        <a:xfrm>
-          <a:off x="0" y="0"/>
-          <a:ext cx="0" cy="0"/>
-          <a:chOff x="0" y="0"/>
-          <a:chExt cx="0" cy="0"/>
-        </a:xfrm>
-      </p:grpSpPr>
-      <p:sp>
-        <p:nvSpPr>
-          <p:cNvPr id="2" name="Titel 1"/>
-          <p:cNvSpPr>
-            <a:spLocks noGrp="1"/>
-          </p:cNvSpPr>
-          <p:nvPr>
-            <p:ph type="title"/>
-          </p:nvPr>
-        </p:nvSpPr>
-        <p:spPr>
-          <a:xfrm>
-            <a:off x="467544" y="797178"/>
-            <a:ext cx="7643192" cy="615598"/>
-          </a:xfrm>
-        </p:spPr>
-        <p:txBody>
-          <a:bodyPr>
-            <a:normAutofit fontScale="90000"/>
-          </a:bodyPr>
-          <a:lstStyle/>
-          <a:p>
-            <a:r>
-              <a:rPr lang="de-CH" b="1" dirty="0" smtClean="0"/>
-              <a:t>Unschöner Code</a:t>
-            </a:r>
-            <a:endParaRPr lang="de-CH" dirty="0"/>
-          </a:p>
-        </p:txBody>
-      </p:sp>
-      <p:sp>
-        <p:nvSpPr>
-          <p:cNvPr id="4" name="Inhaltsplatzhalter 3"/>
-          <p:cNvSpPr>
-            <a:spLocks noGrp="1"/>
-          </p:cNvSpPr>
-          <p:nvPr>
-            <p:ph idx="1"/>
-          </p:nvPr>
-        </p:nvSpPr>
-        <p:spPr/>
-        <p:txBody>
-          <a:bodyPr/>
-          <a:lstStyle/>
-          <a:p>
-            <a:pPr marL="342900" indent="-342900">
-              <a:buFont typeface="Arial" panose="020B0604020202020204" pitchFamily="34" charset="0"/>
-              <a:buChar char="•"/>
-            </a:pPr>
-            <a:r>
-              <a:rPr lang="de-CH" dirty="0"/>
-              <a:t>i</a:t>
-            </a:r>
-            <a:r>
-              <a:rPr lang="de-CH" dirty="0" smtClean="0"/>
-              <a:t>ndex.html (Path-</a:t>
-            </a:r>
-            <a:r>
-              <a:rPr lang="de-CH" dirty="0" err="1" smtClean="0"/>
-              <a:t>Matching</a:t>
-            </a:r>
-            <a:r>
-              <a:rPr lang="de-CH" dirty="0" smtClean="0"/>
-              <a:t> – </a:t>
-            </a:r>
-            <a:r>
-              <a:rPr lang="de-CH" dirty="0" err="1" smtClean="0"/>
-              <a:t>if</a:t>
-            </a:r>
-            <a:r>
-              <a:rPr lang="de-CH" dirty="0" smtClean="0"/>
-              <a:t>/</a:t>
-            </a:r>
-            <a:r>
-              <a:rPr lang="de-CH" dirty="0" err="1" smtClean="0"/>
-              <a:t>else</a:t>
-            </a:r>
-            <a:r>
-              <a:rPr lang="de-CH" dirty="0" smtClean="0"/>
-              <a:t>)</a:t>
-            </a:r>
-            <a:endParaRPr lang="de-CH" dirty="0"/>
-          </a:p>
-        </p:txBody>
-      </p:sp>
-    </p:spTree>
-    <p:extLst>
-      <p:ext uri="{BB962C8B-B14F-4D97-AF65-F5344CB8AC3E}">
-        <p14:creationId xmlns:p14="http://schemas.microsoft.com/office/powerpoint/2010/main" val="4084687724"/>
       </p:ext>
     </p:extLst>
   </p:cSld>
@@ -4329,16 +4421,8 @@
           <a:lstStyle/>
           <a:p>
             <a:r>
-              <a:rPr lang="de-CH" b="1" dirty="0" err="1" smtClean="0"/>
-              <a:t>Lessons</a:t>
-            </a:r>
-            <a:r>
               <a:rPr lang="de-CH" b="1" dirty="0" smtClean="0"/>
-              <a:t> </a:t>
-            </a:r>
-            <a:r>
-              <a:rPr lang="de-CH" b="1" dirty="0" err="1" smtClean="0"/>
-              <a:t>learnt</a:t>
+              <a:t>Unschöner Code</a:t>
             </a:r>
             <a:endParaRPr lang="de-CH" dirty="0"/>
           </a:p>
@@ -4364,17 +4448,41 @@
               <a:buChar char="•"/>
             </a:pPr>
             <a:r>
-              <a:rPr lang="de-DE" dirty="0" smtClean="0"/>
-              <a:t>Positives</a:t>
-            </a:r>
-          </a:p>
-          <a:p>
-            <a:pPr marL="800100" lvl="1" indent="-342900"/>
-            <a:r>
-              <a:rPr lang="de-DE" smtClean="0"/>
-              <a:t>Repetition einiger Web-Technologien</a:t>
-            </a:r>
-            <a:endParaRPr lang="de-DE" dirty="0" smtClean="0"/>
+              <a:rPr lang="de-CH" dirty="0" err="1" smtClean="0"/>
+              <a:t>index.php</a:t>
+            </a:r>
+            <a:r>
+              <a:rPr lang="de-CH" dirty="0" smtClean="0"/>
+              <a:t> </a:t>
+            </a:r>
+            <a:r>
+              <a:rPr lang="de-CH" dirty="0" smtClean="0"/>
+              <a:t>(Path-</a:t>
+            </a:r>
+            <a:r>
+              <a:rPr lang="de-CH" dirty="0" err="1" smtClean="0"/>
+              <a:t>Matching</a:t>
+            </a:r>
+            <a:r>
+              <a:rPr lang="de-CH" dirty="0" smtClean="0"/>
+              <a:t> – </a:t>
+            </a:r>
+            <a:r>
+              <a:rPr lang="de-CH" dirty="0" err="1" smtClean="0"/>
+              <a:t>if</a:t>
+            </a:r>
+            <a:r>
+              <a:rPr lang="de-CH" dirty="0" smtClean="0"/>
+              <a:t>/</a:t>
+            </a:r>
+            <a:r>
+              <a:rPr lang="de-CH" dirty="0" err="1" smtClean="0"/>
+              <a:t>else</a:t>
+            </a:r>
+            <a:r>
+              <a:rPr lang="de-CH" dirty="0" smtClean="0"/>
+              <a:t>)</a:t>
+            </a:r>
           </a:p>
           <a:p>
             <a:pPr marL="342900" indent="-342900">
@@ -4382,17 +4490,24 @@
               <a:buChar char="•"/>
             </a:pPr>
             <a:r>
+              <a:rPr lang="de-CH" dirty="0" err="1"/>
+              <a:t>b</a:t>
+            </a:r>
+            <a:r>
+              <a:rPr lang="de-CH" dirty="0" err="1" smtClean="0"/>
+              <a:t>ootstrap.php</a:t>
+            </a:r>
+            <a:r>
               <a:rPr lang="de-CH" dirty="0" smtClean="0"/>
-              <a:t>PHP nur für APIs</a:t>
-            </a:r>
-            <a:endParaRPr lang="de-CH" dirty="0" smtClean="0"/>
+              <a:t> (Objekterzeugung)</a:t>
+            </a:r>
           </a:p>
         </p:txBody>
       </p:sp>
     </p:spTree>
     <p:extLst>
       <p:ext uri="{BB962C8B-B14F-4D97-AF65-F5344CB8AC3E}">
-        <p14:creationId xmlns:p14="http://schemas.microsoft.com/office/powerpoint/2010/main" val="1984619476"/>
+        <p14:creationId xmlns:p14="http://schemas.microsoft.com/office/powerpoint/2010/main" val="4084687724"/>
       </p:ext>
     </p:extLst>
   </p:cSld>
@@ -4439,7 +4554,7 @@
         <p:spPr>
           <a:xfrm>
             <a:off x="467544" y="797178"/>
-            <a:ext cx="8676456" cy="615598"/>
+            <a:ext cx="7643192" cy="615598"/>
           </a:xfrm>
         </p:spPr>
         <p:txBody>
@@ -4449,38 +4564,201 @@
           <a:lstStyle/>
           <a:p>
             <a:r>
+              <a:rPr lang="de-CH" b="1" dirty="0" err="1" smtClean="0"/>
+              <a:t>Lessons</a:t>
+            </a:r>
+            <a:r>
+              <a:rPr lang="de-CH" b="1" dirty="0" smtClean="0"/>
+              <a:t> </a:t>
+            </a:r>
+            <a:r>
+              <a:rPr lang="de-CH" b="1" dirty="0" err="1" smtClean="0"/>
+              <a:t>learnt</a:t>
+            </a:r>
+            <a:endParaRPr lang="de-CH" dirty="0"/>
+          </a:p>
+        </p:txBody>
+      </p:sp>
+      <p:sp>
+        <p:nvSpPr>
+          <p:cNvPr id="4" name="Inhaltsplatzhalter 3"/>
+          <p:cNvSpPr>
+            <a:spLocks noGrp="1"/>
+          </p:cNvSpPr>
+          <p:nvPr>
+            <p:ph idx="1"/>
+          </p:nvPr>
+        </p:nvSpPr>
+        <p:spPr/>
+        <p:txBody>
+          <a:bodyPr/>
+          <a:lstStyle/>
+          <a:p>
+            <a:pPr marL="342900" indent="-342900">
+              <a:buFont typeface="Arial" panose="020B0604020202020204" pitchFamily="34" charset="0"/>
+              <a:buChar char="•"/>
+            </a:pPr>
+            <a:r>
+              <a:rPr lang="de-DE" dirty="0" smtClean="0"/>
+              <a:t>Positives</a:t>
+            </a:r>
+          </a:p>
+          <a:p>
+            <a:pPr marL="800100" lvl="1" indent="-342900"/>
+            <a:r>
+              <a:rPr lang="de-DE" dirty="0" smtClean="0"/>
+              <a:t>Repetition einiger </a:t>
+            </a:r>
+            <a:r>
+              <a:rPr lang="de-DE" dirty="0" smtClean="0"/>
+              <a:t>Web-Technologien</a:t>
+            </a:r>
+            <a:endParaRPr lang="de-CH" dirty="0"/>
+          </a:p>
+          <a:p>
+            <a:pPr marL="800100" lvl="1" indent="-342900"/>
+            <a:r>
               <a:rPr lang="de-CH" dirty="0" smtClean="0"/>
-              <a:t>fragen</a:t>
-            </a:r>
-            <a:endParaRPr lang="de-CH" dirty="0"/>
-          </a:p>
-        </p:txBody>
-      </p:sp>
-      <p:sp>
-        <p:nvSpPr>
-          <p:cNvPr id="4" name="Inhaltsplatzhalter 3"/>
-          <p:cNvSpPr>
-            <a:spLocks noGrp="1"/>
-          </p:cNvSpPr>
-          <p:nvPr>
-            <p:ph idx="1"/>
-          </p:nvPr>
-        </p:nvSpPr>
-        <p:spPr/>
-        <p:txBody>
-          <a:bodyPr>
-            <a:normAutofit/>
-          </a:bodyPr>
-          <a:lstStyle/>
-          <a:p>
-            <a:endParaRPr lang="de-CH" b="0" dirty="0"/>
+              <a:t>Verständnis der Docker-Technologie gestärkt</a:t>
+            </a:r>
+          </a:p>
+          <a:p>
+            <a:pPr marL="342900" indent="-342900">
+              <a:buFont typeface="Arial" panose="020B0604020202020204" pitchFamily="34" charset="0"/>
+              <a:buChar char="•"/>
+            </a:pPr>
+            <a:r>
+              <a:rPr lang="de-CH" dirty="0" smtClean="0"/>
+              <a:t>Mehr Frameworks verwenden (</a:t>
+            </a:r>
+            <a:r>
+              <a:rPr lang="de-CH" dirty="0" err="1" smtClean="0"/>
+              <a:t>Dependency-Injection</a:t>
+            </a:r>
+            <a:r>
+              <a:rPr lang="de-CH" dirty="0" smtClean="0"/>
+              <a:t>, MVC)</a:t>
+            </a:r>
           </a:p>
         </p:txBody>
       </p:sp>
     </p:spTree>
     <p:extLst>
       <p:ext uri="{BB962C8B-B14F-4D97-AF65-F5344CB8AC3E}">
-        <p14:creationId xmlns:p14="http://schemas.microsoft.com/office/powerpoint/2010/main" val="3458935811"/>
+        <p14:creationId xmlns:p14="http://schemas.microsoft.com/office/powerpoint/2010/main" val="1984619476"/>
+      </p:ext>
+    </p:extLst>
+  </p:cSld>
+  <p:clrMapOvr>
+    <a:masterClrMapping/>
+  </p:clrMapOvr>
+  <p:timing>
+    <p:tnLst>
+      <p:par>
+        <p:cTn id="1" dur="indefinite" restart="never" nodeType="tmRoot"/>
+      </p:par>
+    </p:tnLst>
+  </p:timing>
+</p:sld>
+</file>
+
+<file path=ppt/slides/slide9.xml><?xml version="1.0" encoding="utf-8"?>
+<p:sld xmlns:a="http://schemas.openxmlformats.org/drawingml/2006/main" xmlns:r="http://schemas.openxmlformats.org/officeDocument/2006/relationships" xmlns:p="http://schemas.openxmlformats.org/presentationml/2006/main">
+  <p:cSld>
+    <p:spTree>
+      <p:nvGrpSpPr>
+        <p:cNvPr id="1" name=""/>
+        <p:cNvGrpSpPr/>
+        <p:nvPr/>
+      </p:nvGrpSpPr>
+      <p:grpSpPr>
+        <a:xfrm>
+          <a:off x="0" y="0"/>
+          <a:ext cx="0" cy="0"/>
+          <a:chOff x="0" y="0"/>
+          <a:chExt cx="0" cy="0"/>
+        </a:xfrm>
+      </p:grpSpPr>
+      <p:sp>
+        <p:nvSpPr>
+          <p:cNvPr id="2" name="Titel 1"/>
+          <p:cNvSpPr>
+            <a:spLocks noGrp="1"/>
+          </p:cNvSpPr>
+          <p:nvPr>
+            <p:ph type="title"/>
+          </p:nvPr>
+        </p:nvSpPr>
+        <p:spPr/>
+        <p:txBody>
+          <a:bodyPr/>
+          <a:lstStyle/>
+          <a:p>
+            <a:r>
+              <a:rPr lang="de-CH" dirty="0" smtClean="0"/>
+              <a:t>Demonstration</a:t>
+            </a:r>
+            <a:endParaRPr lang="de-CH" dirty="0"/>
+          </a:p>
+        </p:txBody>
+      </p:sp>
+      <p:pic>
+        <p:nvPicPr>
+          <p:cNvPr id="6" name="Picture 2"/>
+          <p:cNvPicPr>
+            <a:picLocks noChangeAspect="1" noChangeArrowheads="1"/>
+          </p:cNvPicPr>
+          <p:nvPr/>
+        </p:nvPicPr>
+        <p:blipFill>
+          <a:blip r:embed="rId2" cstate="print">
+            <a:extLst>
+              <a:ext uri="{28A0092B-C50C-407E-A947-70E740481C1C}">
+                <a14:useLocalDpi xmlns:a14="http://schemas.microsoft.com/office/drawing/2010/main" val="0"/>
+              </a:ext>
+            </a:extLst>
+          </a:blip>
+          <a:stretch>
+            <a:fillRect/>
+          </a:stretch>
+        </p:blipFill>
+        <p:spPr bwMode="auto">
+          <a:xfrm>
+            <a:off x="1547664" y="1628800"/>
+            <a:ext cx="5760640" cy="4008318"/>
+          </a:xfrm>
+          <a:prstGeom prst="rect">
+            <a:avLst/>
+          </a:prstGeom>
+          <a:noFill/>
+          <a:ln>
+            <a:noFill/>
+          </a:ln>
+          <a:extLst>
+            <a:ext uri="{909E8E84-426E-40DD-AFC4-6F175D3DCCD1}">
+              <a14:hiddenFill xmlns:a14="http://schemas.microsoft.com/office/drawing/2010/main">
+                <a:solidFill>
+                  <a:schemeClr val="accent1"/>
+                </a:solidFill>
+              </a14:hiddenFill>
+            </a:ext>
+            <a:ext uri="{91240B29-F687-4F45-9708-019B960494DF}">
+              <a14:hiddenLine xmlns:a14="http://schemas.microsoft.com/office/drawing/2010/main" w="9525">
+                <a:solidFill>
+                  <a:schemeClr val="tx1"/>
+                </a:solidFill>
+                <a:miter lim="800000"/>
+                <a:headEnd/>
+                <a:tailEnd/>
+              </a14:hiddenLine>
+            </a:ext>
+          </a:extLst>
+        </p:spPr>
+      </p:pic>
+    </p:spTree>
+    <p:extLst>
+      <p:ext uri="{BB962C8B-B14F-4D97-AF65-F5344CB8AC3E}">
+        <p14:creationId xmlns:p14="http://schemas.microsoft.com/office/powerpoint/2010/main" val="1026360673"/>
       </p:ext>
     </p:extLst>
   </p:cSld>
